--- a/presentation/3-Ensemble-Kmeansclustering.pptx
+++ b/presentation/3-Ensemble-Kmeansclustering.pptx
@@ -4268,9 +4268,25 @@
           </a:p>
           <a:p>
             <a:r>
+              <a:rPr lang="en-IN" dirty="0">
+                <a:hlinkClick r:id="rId3"/>
+              </a:rPr>
+              <a:t>https://www.youtube.com/watch?v=FllcPjvztTI</a:t>
+            </a:r>
+            <a:endParaRPr lang="en-IN" dirty="0"/>
+          </a:p>
+          <a:p>
+            <a:r>
               <a:rPr lang="en-IN" dirty="0"/>
-              <a:t>https://www.youtube.com/watch?v=FllcPjvztTI</a:t>
-            </a:r>
+              <a:t>Programs</a:t>
+            </a:r>
+          </a:p>
+          <a:p>
+            <a:r>
+              <a:rPr lang="en-IN"/>
+              <a:t>https://www.geeksforgeeks.org/machine-learning/k-means-clustering-introduction/</a:t>
+            </a:r>
+            <a:endParaRPr lang="en-IN" dirty="0"/>
           </a:p>
         </p:txBody>
       </p:sp>
